--- a/презентация.pptx
+++ b/презентация.pptx
@@ -5,7 +5,7 @@
     <p:sldMasterId id="2147483681" r:id="rId1"/>
   </p:sldMasterIdLst>
   <p:notesMasterIdLst>
-    <p:notesMasterId r:id="rId9"/>
+    <p:notesMasterId r:id="rId10"/>
   </p:notesMasterIdLst>
   <p:sldIdLst>
     <p:sldId id="256" r:id="rId2"/>
@@ -15,6 +15,7 @@
     <p:sldId id="319" r:id="rId6"/>
     <p:sldId id="320" r:id="rId7"/>
     <p:sldId id="321" r:id="rId8"/>
+    <p:sldId id="323" r:id="rId9"/>
   </p:sldIdLst>
   <p:sldSz cx="9144000" cy="5143500" type="screen16x9"/>
   <p:notesSz cx="6858000" cy="9144000"/>
@@ -249,7 +250,7 @@
   </p:defaultTextStyle>
   <p:extLst>
     <p:ext uri="{EFAFB233-063F-42B5-8137-9DF3F51BA10A}">
-      <p15:sldGuideLst xmlns:ahyp="http://schemas.microsoft.com/office/drawing/2018/hyperlinkcolor" xmlns:p15="http://schemas.microsoft.com/office/powerpoint/2012/main" xmlns:p14="http://schemas.microsoft.com/office/powerpoint/2010/main" xmlns:com="http://schemas.openxmlformats.org/drawingml/2006/compatibility" xmlns:pvml="urn:schemas-microsoft-com:office:powerpoint" xmlns:v="urn:schemas-microsoft-com:vml" xmlns:o="urn:schemas-microsoft-com:office:office" xmlns:dgm="http://schemas.openxmlformats.org/drawingml/2006/diagram" xmlns:c="http://schemas.openxmlformats.org/drawingml/2006/chart" xmlns:mv="urn:schemas-microsoft-com:mac:vml" xmlns:mc="http://schemas.openxmlformats.org/markup-compatibility/2006" xmlns="">
+      <p15:sldGuideLst xmlns="" xmlns:mc="http://schemas.openxmlformats.org/markup-compatibility/2006" xmlns:mv="urn:schemas-microsoft-com:mac:vml" xmlns:c="http://schemas.openxmlformats.org/drawingml/2006/chart" xmlns:dgm="http://schemas.openxmlformats.org/drawingml/2006/diagram" xmlns:o="urn:schemas-microsoft-com:office:office" xmlns:v="urn:schemas-microsoft-com:vml" xmlns:pvml="urn:schemas-microsoft-com:office:powerpoint" xmlns:com="http://schemas.openxmlformats.org/drawingml/2006/compatibility" xmlns:p14="http://schemas.microsoft.com/office/powerpoint/2010/main" xmlns:p15="http://schemas.microsoft.com/office/powerpoint/2012/main" xmlns:ahyp="http://schemas.microsoft.com/office/drawing/2018/hyperlinkcolor">
         <p15:guide id="1" orient="horz" pos="1620">
           <p15:clr>
             <a:srgbClr val="9AA0A6"/>
@@ -1392,6 +1393,110 @@
       <p:sp>
         <p:nvSpPr>
           <p:cNvPr id="1356" name="Google Shape;1356;g13853d2984d_8_35:notes"/>
+          <p:cNvSpPr txBox="1">
+            <a:spLocks noGrp="1"/>
+          </p:cNvSpPr>
+          <p:nvPr>
+            <p:ph type="body" idx="1"/>
+          </p:nvPr>
+        </p:nvSpPr>
+        <p:spPr>
+          <a:xfrm>
+            <a:off x="685800" y="4343400"/>
+            <a:ext cx="5486400" cy="4114800"/>
+          </a:xfrm>
+          <a:prstGeom prst="rect">
+            <a:avLst/>
+          </a:prstGeom>
+        </p:spPr>
+        <p:txBody>
+          <a:bodyPr spcFirstLastPara="1" wrap="square" lIns="91425" tIns="91425" rIns="91425" bIns="91425" anchor="t" anchorCtr="0">
+            <a:noAutofit/>
+          </a:bodyPr>
+          <a:lstStyle/>
+          <a:p>
+            <a:pPr marL="0" lvl="0" indent="0" algn="l" rtl="0">
+              <a:spcBef>
+                <a:spcPts val="0"/>
+              </a:spcBef>
+              <a:spcAft>
+                <a:spcPts val="0"/>
+              </a:spcAft>
+              <a:buNone/>
+            </a:pPr>
+            <a:endParaRPr/>
+          </a:p>
+        </p:txBody>
+      </p:sp>
+    </p:spTree>
+  </p:cSld>
+  <p:clrMapOvr>
+    <a:masterClrMapping/>
+  </p:clrMapOvr>
+</p:notes>
+</file>
+
+<file path=ppt/notesSlides/notesSlide8.xml><?xml version="1.0" encoding="utf-8"?>
+<p:notes xmlns:a="http://schemas.openxmlformats.org/drawingml/2006/main" xmlns:r="http://schemas.openxmlformats.org/officeDocument/2006/relationships" xmlns:p="http://schemas.openxmlformats.org/presentationml/2006/main" showMasterSp="0" showMasterPhAnim="0">
+  <p:cSld>
+    <p:spTree>
+      <p:nvGrpSpPr>
+        <p:cNvPr id="1" name="Shape 411"/>
+        <p:cNvGrpSpPr/>
+        <p:nvPr/>
+      </p:nvGrpSpPr>
+      <p:grpSpPr>
+        <a:xfrm>
+          <a:off x="0" y="0"/>
+          <a:ext cx="0" cy="0"/>
+          <a:chOff x="0" y="0"/>
+          <a:chExt cx="0" cy="0"/>
+        </a:xfrm>
+      </p:grpSpPr>
+      <p:sp>
+        <p:nvSpPr>
+          <p:cNvPr id="412" name="Google Shape;412;ge1d838b627_4_19:notes"/>
+          <p:cNvSpPr>
+            <a:spLocks noGrp="1" noRot="1" noChangeAspect="1"/>
+          </p:cNvSpPr>
+          <p:nvPr>
+            <p:ph type="sldImg" idx="2"/>
+          </p:nvPr>
+        </p:nvSpPr>
+        <p:spPr>
+          <a:xfrm>
+            <a:off x="381000" y="685800"/>
+            <a:ext cx="6096000" cy="3429000"/>
+          </a:xfrm>
+          <a:custGeom>
+            <a:avLst/>
+            <a:gdLst/>
+            <a:ahLst/>
+            <a:cxnLst/>
+            <a:rect l="l" t="t" r="r" b="b"/>
+            <a:pathLst>
+              <a:path w="120000" h="120000" extrusionOk="0">
+                <a:moveTo>
+                  <a:pt x="0" y="0"/>
+                </a:moveTo>
+                <a:lnTo>
+                  <a:pt x="120000" y="0"/>
+                </a:lnTo>
+                <a:lnTo>
+                  <a:pt x="120000" y="120000"/>
+                </a:lnTo>
+                <a:lnTo>
+                  <a:pt x="0" y="120000"/>
+                </a:lnTo>
+                <a:close/>
+              </a:path>
+            </a:pathLst>
+          </a:custGeom>
+        </p:spPr>
+      </p:sp>
+      <p:sp>
+        <p:nvSpPr>
+          <p:cNvPr id="413" name="Google Shape;413;ge1d838b627_4_19:notes"/>
           <p:cNvSpPr txBox="1">
             <a:spLocks noGrp="1"/>
           </p:cNvSpPr>
@@ -9419,7 +9524,11 @@
             </a:pPr>
             <a:r>
               <a:rPr lang="ru-RU" dirty="0" smtClean="0"/>
-              <a:t>Документация</a:t>
+              <a:t>д</a:t>
+            </a:r>
+            <a:r>
+              <a:rPr lang="ru-RU" dirty="0" smtClean="0"/>
+              <a:t>окументация</a:t>
             </a:r>
             <a:endParaRPr lang="ru-RU" dirty="0"/>
           </a:p>
@@ -9438,7 +9547,7 @@
         <p:spPr>
           <a:xfrm>
             <a:off x="681206" y="2076438"/>
-            <a:ext cx="2452500" cy="572700"/>
+            <a:ext cx="2440366" cy="572700"/>
           </a:xfrm>
           <a:prstGeom prst="rect">
             <a:avLst/>
@@ -9453,11 +9562,27 @@
             <a:pPr marL="0" lvl="0" indent="0"/>
             <a:r>
               <a:rPr lang="ru-RU" dirty="0" err="1" smtClean="0"/>
-              <a:t>Тим-лидер</a:t>
+              <a:t>т</a:t>
+            </a:r>
+            <a:r>
+              <a:rPr lang="ru-RU" dirty="0" err="1" smtClean="0"/>
+              <a:t>имлидер</a:t>
             </a:r>
             <a:r>
               <a:rPr lang="ru-RU" dirty="0" smtClean="0"/>
-              <a:t>, программист, </a:t>
+              <a:t>,</a:t>
+            </a:r>
+            <a:r>
+              <a:rPr lang="en-US" dirty="0" smtClean="0"/>
+              <a:t> </a:t>
+            </a:r>
+            <a:r>
+              <a:rPr lang="ru-RU" dirty="0" smtClean="0"/>
+              <a:t>программист</a:t>
+            </a:r>
+            <a:r>
+              <a:rPr lang="ru-RU" dirty="0" smtClean="0"/>
+              <a:t>, </a:t>
             </a:r>
             <a:r>
               <a:rPr lang="ru-RU" dirty="0" err="1" smtClean="0"/>
@@ -9505,6 +9630,14 @@
               <a:rPr lang="ru-RU" dirty="0" smtClean="0"/>
               <a:t>Участники</a:t>
             </a:r>
+            <a:r>
+              <a:rPr lang="en-US" dirty="0" smtClean="0"/>
+              <a:t> </a:t>
+            </a:r>
+            <a:r>
+              <a:rPr lang="ru-RU" dirty="0" smtClean="0"/>
+              <a:t>команды</a:t>
+            </a:r>
             <a:endParaRPr dirty="0"/>
           </a:p>
         </p:txBody>
@@ -9539,7 +9672,19 @@
             </a:pPr>
             <a:r>
               <a:rPr lang="ru-RU" dirty="0" smtClean="0"/>
-              <a:t>Программист, презентация</a:t>
+              <a:t>п</a:t>
+            </a:r>
+            <a:r>
+              <a:rPr lang="ru-RU" dirty="0" smtClean="0"/>
+              <a:t>рограммист</a:t>
+            </a:r>
+            <a:r>
+              <a:rPr lang="ru-RU" dirty="0" smtClean="0"/>
+              <a:t>, </a:t>
+            </a:r>
+            <a:r>
+              <a:rPr lang="ru-RU" dirty="0" smtClean="0"/>
+              <a:t>презентация</a:t>
             </a:r>
             <a:endParaRPr lang="ru-RU" dirty="0"/>
           </a:p>
@@ -9573,7 +9718,11 @@
             <a:pPr marL="0" lvl="0" indent="0"/>
             <a:r>
               <a:rPr lang="ru-RU" dirty="0" smtClean="0"/>
-              <a:t>Презентация</a:t>
+              <a:t>п</a:t>
+            </a:r>
+            <a:r>
+              <a:rPr lang="ru-RU" dirty="0" smtClean="0"/>
+              <a:t>резентация</a:t>
             </a:r>
             <a:endParaRPr lang="ru-RU" dirty="0"/>
           </a:p>
@@ -9609,7 +9758,11 @@
             </a:pPr>
             <a:r>
               <a:rPr lang="ru-RU" dirty="0" smtClean="0"/>
-              <a:t>Документация</a:t>
+              <a:t>д</a:t>
+            </a:r>
+            <a:r>
+              <a:rPr lang="ru-RU" dirty="0" smtClean="0"/>
+              <a:t>окументация</a:t>
             </a:r>
             <a:endParaRPr lang="ru-RU" dirty="0"/>
           </a:p>
@@ -9871,7 +10024,15 @@
             </a:pPr>
             <a:r>
               <a:rPr lang="ru-RU" sz="1600" dirty="0" smtClean="0"/>
-              <a:t>Научиться работать с тестирующими системами и провести самостоятельно несколько тестов.</a:t>
+              <a:t>Научиться работать с тестирующими </a:t>
+            </a:r>
+            <a:r>
+              <a:rPr lang="ru-RU" sz="1600" dirty="0" smtClean="0"/>
+              <a:t>системами </a:t>
+            </a:r>
+            <a:r>
+              <a:rPr lang="ru-RU" sz="1600" dirty="0" smtClean="0"/>
+              <a:t>и провести самостоятельно несколько тестов.</a:t>
             </a:r>
             <a:endParaRPr sz="1600" dirty="0"/>
           </a:p>
@@ -10533,7 +10694,7 @@
         </p:blipFill>
         <p:spPr>
           <a:xfrm>
-            <a:off x="2147014" y="839448"/>
+            <a:off x="2157524" y="807917"/>
             <a:ext cx="4849973" cy="3914305"/>
           </a:xfrm>
           <a:prstGeom prst="rect">
@@ -10731,7 +10892,7 @@
         <p:spPr>
           <a:xfrm>
             <a:off x="1386590" y="1484026"/>
-            <a:ext cx="4889480" cy="338554"/>
+            <a:ext cx="4759636" cy="338554"/>
           </a:xfrm>
           <a:prstGeom prst="rect">
             <a:avLst/>
@@ -10767,7 +10928,19 @@
                 <a:cs typeface="Lato"/>
                 <a:sym typeface="Lato"/>
               </a:rPr>
-              <a:t>Qase.io</a:t>
+              <a:t>Qase</a:t>
+            </a:r>
+            <a:r>
+              <a:rPr lang="ru-RU" sz="1600" dirty="0" smtClean="0">
+                <a:solidFill>
+                  <a:schemeClr val="dk1"/>
+                </a:solidFill>
+                <a:latin typeface="Lato"/>
+                <a:ea typeface="Lato"/>
+                <a:cs typeface="Lato"/>
+                <a:sym typeface="Lato"/>
+              </a:rPr>
+              <a:t>*</a:t>
             </a:r>
             <a:endParaRPr lang="ru-RU" sz="1600" dirty="0" smtClean="0">
               <a:solidFill>
@@ -10808,6 +10981,54 @@
           </a:ln>
         </p:spPr>
       </p:pic>
+      <p:sp>
+        <p:nvSpPr>
+          <p:cNvPr id="8" name="Google Shape;415;p40"/>
+          <p:cNvSpPr txBox="1">
+            <a:spLocks noGrp="1"/>
+          </p:cNvSpPr>
+          <p:nvPr>
+            <p:ph type="body" idx="1"/>
+          </p:nvPr>
+        </p:nvSpPr>
+        <p:spPr>
+          <a:xfrm>
+            <a:off x="595476" y="3932164"/>
+            <a:ext cx="1243834" cy="1375561"/>
+          </a:xfrm>
+          <a:prstGeom prst="rect">
+            <a:avLst/>
+          </a:prstGeom>
+        </p:spPr>
+        <p:txBody>
+          <a:bodyPr spcFirstLastPara="1" wrap="square" lIns="91425" tIns="91425" rIns="91425" bIns="91425" anchor="ctr" anchorCtr="0">
+            <a:noAutofit/>
+          </a:bodyPr>
+          <a:lstStyle/>
+          <a:p>
+            <a:pPr marL="0" lvl="0" indent="0">
+              <a:buClr>
+                <a:srgbClr val="273D40"/>
+              </a:buClr>
+              <a:buSzPts val="600"/>
+              <a:buNone/>
+            </a:pPr>
+            <a:r>
+              <a:rPr lang="en-US" sz="1200" dirty="0" err="1" smtClean="0"/>
+              <a:t>Qase</a:t>
+            </a:r>
+            <a:r>
+              <a:rPr lang="en-US" sz="1200" dirty="0" smtClean="0"/>
+              <a:t>* - </a:t>
+            </a:r>
+            <a:r>
+              <a:rPr lang="ru-RU" sz="1200" dirty="0" smtClean="0"/>
+              <a:t>Кейс*</a:t>
+            </a:r>
+            <a:endParaRPr sz="1200" dirty="0"/>
+          </a:p>
+        </p:txBody>
+      </p:sp>
     </p:spTree>
   </p:cSld>
   <p:clrMapOvr>
@@ -11354,6 +11575,1028 @@
           </a:ln>
         </p:spPr>
       </p:pic>
+    </p:spTree>
+  </p:cSld>
+  <p:clrMapOvr>
+    <a:masterClrMapping/>
+  </p:clrMapOvr>
+  <p:timing>
+    <p:tnLst>
+      <p:par>
+        <p:cTn id="1" dur="indefinite" restart="never" nodeType="tmRoot"/>
+      </p:par>
+    </p:tnLst>
+  </p:timing>
+</p:sld>
+</file>
+
+<file path=ppt/slides/slide8.xml><?xml version="1.0" encoding="utf-8"?>
+<p:sld xmlns:a="http://schemas.openxmlformats.org/drawingml/2006/main" xmlns:r="http://schemas.openxmlformats.org/officeDocument/2006/relationships" xmlns:p="http://schemas.openxmlformats.org/presentationml/2006/main">
+  <p:cSld>
+    <p:spTree>
+      <p:nvGrpSpPr>
+        <p:cNvPr id="1" name="Shape 414"/>
+        <p:cNvGrpSpPr/>
+        <p:nvPr/>
+      </p:nvGrpSpPr>
+      <p:grpSpPr>
+        <a:xfrm>
+          <a:off x="0" y="0"/>
+          <a:ext cx="0" cy="0"/>
+          <a:chOff x="0" y="0"/>
+          <a:chExt cx="0" cy="0"/>
+        </a:xfrm>
+      </p:grpSpPr>
+      <p:sp>
+        <p:nvSpPr>
+          <p:cNvPr id="415" name="Google Shape;415;p40"/>
+          <p:cNvSpPr txBox="1">
+            <a:spLocks noGrp="1"/>
+          </p:cNvSpPr>
+          <p:nvPr>
+            <p:ph type="body" idx="1"/>
+          </p:nvPr>
+        </p:nvSpPr>
+        <p:spPr>
+          <a:xfrm>
+            <a:off x="332719" y="905184"/>
+            <a:ext cx="4230300" cy="1539763"/>
+          </a:xfrm>
+          <a:prstGeom prst="rect">
+            <a:avLst/>
+          </a:prstGeom>
+        </p:spPr>
+        <p:txBody>
+          <a:bodyPr spcFirstLastPara="1" wrap="square" lIns="91425" tIns="91425" rIns="91425" bIns="91425" anchor="ctr" anchorCtr="0">
+            <a:noAutofit/>
+          </a:bodyPr>
+          <a:lstStyle/>
+          <a:p>
+            <a:pPr>
+              <a:buNone/>
+            </a:pPr>
+            <a:r>
+              <a:rPr lang="ru-RU" sz="1600" dirty="0" smtClean="0"/>
+              <a:t>	В ходе выполнения задания была  достигнута основная цель проекта и выполнены все поставленные задачи.</a:t>
+            </a:r>
+            <a:endParaRPr lang="ru-RU" sz="1600" dirty="0"/>
+          </a:p>
+        </p:txBody>
+      </p:sp>
+      <p:sp>
+        <p:nvSpPr>
+          <p:cNvPr id="416" name="Google Shape;416;p40"/>
+          <p:cNvSpPr txBox="1">
+            <a:spLocks noGrp="1"/>
+          </p:cNvSpPr>
+          <p:nvPr>
+            <p:ph type="title"/>
+          </p:nvPr>
+        </p:nvSpPr>
+        <p:spPr>
+          <a:xfrm>
+            <a:off x="353740" y="0"/>
+            <a:ext cx="4230300" cy="845700"/>
+          </a:xfrm>
+          <a:prstGeom prst="rect">
+            <a:avLst/>
+          </a:prstGeom>
+        </p:spPr>
+        <p:txBody>
+          <a:bodyPr spcFirstLastPara="1" wrap="square" lIns="91425" tIns="91425" rIns="91425" bIns="91425" anchor="b" anchorCtr="0">
+            <a:noAutofit/>
+          </a:bodyPr>
+          <a:lstStyle/>
+          <a:p>
+            <a:pPr marL="0" lvl="0" indent="0" algn="l" rtl="0">
+              <a:spcBef>
+                <a:spcPts val="0"/>
+              </a:spcBef>
+              <a:spcAft>
+                <a:spcPts val="0"/>
+              </a:spcAft>
+              <a:buNone/>
+            </a:pPr>
+            <a:r>
+              <a:rPr lang="ru-RU" dirty="0" smtClean="0"/>
+              <a:t>Вывод:</a:t>
+            </a:r>
+            <a:endParaRPr dirty="0">
+              <a:solidFill>
+                <a:schemeClr val="accent1"/>
+              </a:solidFill>
+            </a:endParaRPr>
+          </a:p>
+        </p:txBody>
+      </p:sp>
+      <p:sp>
+        <p:nvSpPr>
+          <p:cNvPr id="417" name="Google Shape;417;p40"/>
+          <p:cNvSpPr/>
+          <p:nvPr/>
+        </p:nvSpPr>
+        <p:spPr>
+          <a:xfrm rot="10800000">
+            <a:off x="4150601" y="708712"/>
+            <a:ext cx="1964022" cy="679915"/>
+          </a:xfrm>
+          <a:custGeom>
+            <a:avLst/>
+            <a:gdLst/>
+            <a:ahLst/>
+            <a:cxnLst/>
+            <a:rect l="l" t="t" r="r" b="b"/>
+            <a:pathLst>
+              <a:path w="116715" h="40405" extrusionOk="0">
+                <a:moveTo>
+                  <a:pt x="105958" y="14035"/>
+                </a:moveTo>
+                <a:cubicBezTo>
+                  <a:pt x="89093" y="3546"/>
+                  <a:pt x="63706" y="0"/>
+                  <a:pt x="42252" y="5125"/>
+                </a:cubicBezTo>
+                <a:cubicBezTo>
+                  <a:pt x="20769" y="10280"/>
+                  <a:pt x="4053" y="23867"/>
+                  <a:pt x="209" y="39332"/>
+                </a:cubicBezTo>
+                <a:cubicBezTo>
+                  <a:pt x="150" y="39689"/>
+                  <a:pt x="60" y="40047"/>
+                  <a:pt x="1" y="40404"/>
+                </a:cubicBezTo>
+                <a:lnTo>
+                  <a:pt x="110010" y="40404"/>
+                </a:lnTo>
+                <a:cubicBezTo>
+                  <a:pt x="111172" y="39034"/>
+                  <a:pt x="112126" y="37604"/>
+                  <a:pt x="112930" y="36084"/>
+                </a:cubicBezTo>
+                <a:cubicBezTo>
+                  <a:pt x="116714" y="28605"/>
+                  <a:pt x="114569" y="19398"/>
+                  <a:pt x="105958" y="14035"/>
+                </a:cubicBezTo>
+                <a:close/>
+              </a:path>
+            </a:pathLst>
+          </a:custGeom>
+          <a:solidFill>
+            <a:schemeClr val="dk2"/>
+          </a:solidFill>
+          <a:ln w="9525" cap="flat" cmpd="sng">
+            <a:solidFill>
+              <a:schemeClr val="dk1"/>
+            </a:solidFill>
+            <a:prstDash val="solid"/>
+            <a:round/>
+            <a:headEnd type="none" w="sm" len="sm"/>
+            <a:tailEnd type="none" w="sm" len="sm"/>
+          </a:ln>
+        </p:spPr>
+        <p:txBody>
+          <a:bodyPr spcFirstLastPara="1" wrap="square" lIns="91425" tIns="91425" rIns="91425" bIns="91425" anchor="ctr" anchorCtr="0">
+            <a:noAutofit/>
+          </a:bodyPr>
+          <a:lstStyle/>
+          <a:p>
+            <a:pPr marL="0" lvl="0" indent="0" algn="l" rtl="0">
+              <a:spcBef>
+                <a:spcPts val="0"/>
+              </a:spcBef>
+              <a:spcAft>
+                <a:spcPts val="0"/>
+              </a:spcAft>
+              <a:buNone/>
+            </a:pPr>
+            <a:endParaRPr/>
+          </a:p>
+        </p:txBody>
+      </p:sp>
+      <p:sp>
+        <p:nvSpPr>
+          <p:cNvPr id="418" name="Google Shape;418;p40"/>
+          <p:cNvSpPr/>
+          <p:nvPr/>
+        </p:nvSpPr>
+        <p:spPr>
+          <a:xfrm>
+            <a:off x="4062259" y="1936571"/>
+            <a:ext cx="376500" cy="376500"/>
+          </a:xfrm>
+          <a:prstGeom prst="star4">
+            <a:avLst>
+              <a:gd name="adj" fmla="val 12500"/>
+            </a:avLst>
+          </a:prstGeom>
+          <a:solidFill>
+            <a:schemeClr val="dk1"/>
+          </a:solidFill>
+          <a:ln>
+            <a:noFill/>
+          </a:ln>
+        </p:spPr>
+        <p:txBody>
+          <a:bodyPr spcFirstLastPara="1" wrap="square" lIns="91425" tIns="91425" rIns="91425" bIns="91425" anchor="ctr" anchorCtr="0">
+            <a:noAutofit/>
+          </a:bodyPr>
+          <a:lstStyle/>
+          <a:p>
+            <a:pPr marL="0" lvl="0" indent="0" algn="l" rtl="0">
+              <a:spcBef>
+                <a:spcPts val="0"/>
+              </a:spcBef>
+              <a:spcAft>
+                <a:spcPts val="0"/>
+              </a:spcAft>
+              <a:buNone/>
+            </a:pPr>
+            <a:endParaRPr/>
+          </a:p>
+        </p:txBody>
+      </p:sp>
+      <p:sp>
+        <p:nvSpPr>
+          <p:cNvPr id="419" name="Google Shape;419;p40"/>
+          <p:cNvSpPr/>
+          <p:nvPr/>
+        </p:nvSpPr>
+        <p:spPr>
+          <a:xfrm>
+            <a:off x="7269944" y="2355148"/>
+            <a:ext cx="517500" cy="517500"/>
+          </a:xfrm>
+          <a:prstGeom prst="star4">
+            <a:avLst>
+              <a:gd name="adj" fmla="val 12500"/>
+            </a:avLst>
+          </a:prstGeom>
+          <a:solidFill>
+            <a:schemeClr val="dk1"/>
+          </a:solidFill>
+          <a:ln>
+            <a:noFill/>
+          </a:ln>
+        </p:spPr>
+        <p:txBody>
+          <a:bodyPr spcFirstLastPara="1" wrap="square" lIns="91425" tIns="91425" rIns="91425" bIns="91425" anchor="ctr" anchorCtr="0">
+            <a:noAutofit/>
+          </a:bodyPr>
+          <a:lstStyle/>
+          <a:p>
+            <a:pPr marL="0" lvl="0" indent="0" algn="l" rtl="0">
+              <a:spcBef>
+                <a:spcPts val="0"/>
+              </a:spcBef>
+              <a:spcAft>
+                <a:spcPts val="0"/>
+              </a:spcAft>
+              <a:buNone/>
+            </a:pPr>
+            <a:endParaRPr/>
+          </a:p>
+        </p:txBody>
+      </p:sp>
+      <p:sp>
+        <p:nvSpPr>
+          <p:cNvPr id="420" name="Google Shape;420;p40"/>
+          <p:cNvSpPr/>
+          <p:nvPr/>
+        </p:nvSpPr>
+        <p:spPr>
+          <a:xfrm>
+            <a:off x="2494921" y="3360650"/>
+            <a:ext cx="250800" cy="250800"/>
+          </a:xfrm>
+          <a:prstGeom prst="star4">
+            <a:avLst>
+              <a:gd name="adj" fmla="val 12500"/>
+            </a:avLst>
+          </a:prstGeom>
+          <a:solidFill>
+            <a:schemeClr val="dk1"/>
+          </a:solidFill>
+          <a:ln>
+            <a:noFill/>
+          </a:ln>
+        </p:spPr>
+        <p:txBody>
+          <a:bodyPr spcFirstLastPara="1" wrap="square" lIns="91425" tIns="91425" rIns="91425" bIns="91425" anchor="ctr" anchorCtr="0">
+            <a:noAutofit/>
+          </a:bodyPr>
+          <a:lstStyle/>
+          <a:p>
+            <a:pPr marL="0" lvl="0" indent="0" algn="l" rtl="0">
+              <a:spcBef>
+                <a:spcPts val="0"/>
+              </a:spcBef>
+              <a:spcAft>
+                <a:spcPts val="0"/>
+              </a:spcAft>
+              <a:buNone/>
+            </a:pPr>
+            <a:endParaRPr/>
+          </a:p>
+        </p:txBody>
+      </p:sp>
+      <p:sp>
+        <p:nvSpPr>
+          <p:cNvPr id="421" name="Google Shape;421;p40"/>
+          <p:cNvSpPr/>
+          <p:nvPr/>
+        </p:nvSpPr>
+        <p:spPr>
+          <a:xfrm rot="-5400000" flipH="1">
+            <a:off x="483284" y="3461848"/>
+            <a:ext cx="1247744" cy="1546922"/>
+          </a:xfrm>
+          <a:custGeom>
+            <a:avLst/>
+            <a:gdLst/>
+            <a:ahLst/>
+            <a:cxnLst/>
+            <a:rect l="l" t="t" r="r" b="b"/>
+            <a:pathLst>
+              <a:path w="105988" h="77472" extrusionOk="0">
+                <a:moveTo>
+                  <a:pt x="6377" y="0"/>
+                </a:moveTo>
+                <a:cubicBezTo>
+                  <a:pt x="1" y="17908"/>
+                  <a:pt x="4470" y="39958"/>
+                  <a:pt x="19875" y="51042"/>
+                </a:cubicBezTo>
+                <a:cubicBezTo>
+                  <a:pt x="35071" y="61977"/>
+                  <a:pt x="51608" y="71989"/>
+                  <a:pt x="70052" y="75326"/>
+                </a:cubicBezTo>
+                <a:cubicBezTo>
+                  <a:pt x="82061" y="77471"/>
+                  <a:pt x="95022" y="76369"/>
+                  <a:pt x="105987" y="71393"/>
+                </a:cubicBezTo>
+                <a:lnTo>
+                  <a:pt x="105987" y="0"/>
+                </a:lnTo>
+                <a:close/>
+              </a:path>
+            </a:pathLst>
+          </a:custGeom>
+          <a:solidFill>
+            <a:schemeClr val="dk2"/>
+          </a:solidFill>
+          <a:ln w="9525" cap="flat" cmpd="sng">
+            <a:solidFill>
+              <a:schemeClr val="dk1"/>
+            </a:solidFill>
+            <a:prstDash val="solid"/>
+            <a:round/>
+            <a:headEnd type="none" w="sm" len="sm"/>
+            <a:tailEnd type="none" w="sm" len="sm"/>
+          </a:ln>
+        </p:spPr>
+        <p:txBody>
+          <a:bodyPr spcFirstLastPara="1" wrap="square" lIns="91425" tIns="91425" rIns="91425" bIns="91425" anchor="ctr" anchorCtr="0">
+            <a:noAutofit/>
+          </a:bodyPr>
+          <a:lstStyle/>
+          <a:p>
+            <a:pPr marL="0" lvl="0" indent="0" algn="l" rtl="0">
+              <a:spcBef>
+                <a:spcPts val="0"/>
+              </a:spcBef>
+              <a:spcAft>
+                <a:spcPts val="0"/>
+              </a:spcAft>
+              <a:buNone/>
+            </a:pPr>
+            <a:endParaRPr/>
+          </a:p>
+        </p:txBody>
+      </p:sp>
+      <p:sp>
+        <p:nvSpPr>
+          <p:cNvPr id="422" name="Google Shape;422;p40"/>
+          <p:cNvSpPr/>
+          <p:nvPr/>
+        </p:nvSpPr>
+        <p:spPr>
+          <a:xfrm>
+            <a:off x="2133600" y="4174435"/>
+            <a:ext cx="3352800" cy="688100"/>
+          </a:xfrm>
+          <a:custGeom>
+            <a:avLst/>
+            <a:gdLst/>
+            <a:ahLst/>
+            <a:cxnLst/>
+            <a:rect l="l" t="t" r="r" b="b"/>
+            <a:pathLst>
+              <a:path w="134112" h="27524" extrusionOk="0">
+                <a:moveTo>
+                  <a:pt x="0" y="27524"/>
+                </a:moveTo>
+                <a:cubicBezTo>
+                  <a:pt x="1308" y="17085"/>
+                  <a:pt x="10641" y="4677"/>
+                  <a:pt x="21146" y="4092"/>
+                </a:cubicBezTo>
+                <a:cubicBezTo>
+                  <a:pt x="31937" y="3491"/>
+                  <a:pt x="41443" y="14505"/>
+                  <a:pt x="52197" y="13427"/>
+                </a:cubicBezTo>
+                <a:cubicBezTo>
+                  <a:pt x="63174" y="12326"/>
+                  <a:pt x="71479" y="824"/>
+                  <a:pt x="82487" y="92"/>
+                </a:cubicBezTo>
+                <a:cubicBezTo>
+                  <a:pt x="93511" y="-641"/>
+                  <a:pt x="102667" y="9142"/>
+                  <a:pt x="112395" y="14379"/>
+                </a:cubicBezTo>
+                <a:cubicBezTo>
+                  <a:pt x="119817" y="18375"/>
+                  <a:pt x="132073" y="19154"/>
+                  <a:pt x="134112" y="27333"/>
+                </a:cubicBezTo>
+              </a:path>
+            </a:pathLst>
+          </a:custGeom>
+          <a:noFill/>
+          <a:ln w="9525" cap="flat" cmpd="sng">
+            <a:solidFill>
+              <a:schemeClr val="dk1"/>
+            </a:solidFill>
+            <a:prstDash val="solid"/>
+            <a:round/>
+            <a:headEnd type="none" w="med" len="med"/>
+            <a:tailEnd type="none" w="med" len="med"/>
+          </a:ln>
+        </p:spPr>
+      </p:sp>
+      <p:sp>
+        <p:nvSpPr>
+          <p:cNvPr id="10" name="Google Shape;415;p40"/>
+          <p:cNvSpPr txBox="1">
+            <a:spLocks/>
+          </p:cNvSpPr>
+          <p:nvPr/>
+        </p:nvSpPr>
+        <p:spPr>
+          <a:xfrm>
+            <a:off x="2229834" y="1961474"/>
+            <a:ext cx="4230300" cy="1539763"/>
+          </a:xfrm>
+          <a:prstGeom prst="rect">
+            <a:avLst/>
+          </a:prstGeom>
+          <a:noFill/>
+          <a:ln>
+            <a:noFill/>
+          </a:ln>
+        </p:spPr>
+        <p:txBody>
+          <a:bodyPr spcFirstLastPara="1" wrap="square" lIns="91425" tIns="91425" rIns="91425" bIns="91425" anchor="ctr" anchorCtr="0">
+            <a:noAutofit/>
+          </a:bodyPr>
+          <a:lstStyle/>
+          <a:p>
+            <a:pPr marL="457200" marR="0" lvl="0" indent="-317500" algn="l" defTabSz="914400" rtl="0" eaLnBrk="1" fontAlgn="auto" latinLnBrk="0" hangingPunct="1">
+              <a:lnSpc>
+                <a:spcPct val="115000"/>
+              </a:lnSpc>
+              <a:spcBef>
+                <a:spcPts val="0"/>
+              </a:spcBef>
+              <a:spcAft>
+                <a:spcPts val="0"/>
+              </a:spcAft>
+              <a:buClr>
+                <a:schemeClr val="dk2"/>
+              </a:buClr>
+              <a:buSzPts val="1400"/>
+              <a:buFont typeface="Lato"/>
+              <a:buNone/>
+              <a:tabLst/>
+              <a:defRPr/>
+            </a:pPr>
+            <a:r>
+              <a:rPr kumimoji="0" lang="ru-RU" sz="1600" b="0" i="0" u="none" strike="noStrike" kern="0" cap="none" spc="0" normalizeH="0" baseline="0" noProof="0" dirty="0" smtClean="0">
+                <a:ln>
+                  <a:noFill/>
+                </a:ln>
+                <a:solidFill>
+                  <a:schemeClr val="dk1"/>
+                </a:solidFill>
+                <a:effectLst/>
+                <a:uLnTx/>
+                <a:uFillTx/>
+                <a:latin typeface="Lato"/>
+                <a:ea typeface="Lato"/>
+                <a:cs typeface="Lato"/>
+                <a:sym typeface="Lato"/>
+              </a:rPr>
+              <a:t>	</a:t>
+            </a:r>
+            <a:r>
+              <a:rPr kumimoji="0" lang="ru-RU" sz="1550" b="0" i="0" u="none" strike="noStrike" kern="0" cap="none" spc="0" normalizeH="0" baseline="0" noProof="0" dirty="0" smtClean="0">
+                <a:ln>
+                  <a:noFill/>
+                </a:ln>
+                <a:solidFill>
+                  <a:schemeClr val="dk1"/>
+                </a:solidFill>
+                <a:effectLst/>
+                <a:uLnTx/>
+                <a:uFillTx/>
+                <a:latin typeface="Lato"/>
+                <a:ea typeface="Lato"/>
+                <a:cs typeface="Lato"/>
+                <a:sym typeface="Lato"/>
+              </a:rPr>
+              <a:t>Вспомнили как работать в среде разработки </a:t>
+            </a:r>
+            <a:r>
+              <a:rPr kumimoji="0" lang="en-US" sz="1550" b="0" i="0" u="none" strike="noStrike" kern="0" cap="none" spc="0" normalizeH="0" baseline="0" noProof="0" dirty="0" smtClean="0">
+                <a:ln>
+                  <a:noFill/>
+                </a:ln>
+                <a:solidFill>
+                  <a:schemeClr val="dk1"/>
+                </a:solidFill>
+                <a:effectLst/>
+                <a:uLnTx/>
+                <a:uFillTx/>
+                <a:latin typeface="Lato"/>
+                <a:ea typeface="Lato"/>
+                <a:cs typeface="Lato"/>
+                <a:sym typeface="Lato"/>
+              </a:rPr>
+              <a:t>Visual Studio*</a:t>
+            </a:r>
+            <a:endParaRPr kumimoji="0" lang="ru-RU" sz="1550" b="0" i="0" u="none" strike="noStrike" kern="0" cap="none" spc="0" normalizeH="0" baseline="0" noProof="0" dirty="0">
+              <a:ln>
+                <a:noFill/>
+              </a:ln>
+              <a:solidFill>
+                <a:schemeClr val="dk1"/>
+              </a:solidFill>
+              <a:effectLst/>
+              <a:uLnTx/>
+              <a:uFillTx/>
+              <a:latin typeface="Lato"/>
+              <a:ea typeface="Lato"/>
+              <a:cs typeface="Lato"/>
+              <a:sym typeface="Lato"/>
+            </a:endParaRPr>
+          </a:p>
+        </p:txBody>
+      </p:sp>
+      <p:sp>
+        <p:nvSpPr>
+          <p:cNvPr id="11" name="Google Shape;415;p40"/>
+          <p:cNvSpPr txBox="1">
+            <a:spLocks/>
+          </p:cNvSpPr>
+          <p:nvPr/>
+        </p:nvSpPr>
+        <p:spPr>
+          <a:xfrm>
+            <a:off x="6209127" y="3812067"/>
+            <a:ext cx="4230300" cy="1539763"/>
+          </a:xfrm>
+          <a:prstGeom prst="rect">
+            <a:avLst/>
+          </a:prstGeom>
+          <a:noFill/>
+          <a:ln>
+            <a:noFill/>
+          </a:ln>
+        </p:spPr>
+        <p:txBody>
+          <a:bodyPr spcFirstLastPara="1" wrap="square" lIns="91425" tIns="91425" rIns="91425" bIns="91425" anchor="ctr" anchorCtr="0">
+            <a:noAutofit/>
+          </a:bodyPr>
+          <a:lstStyle/>
+          <a:p>
+            <a:pPr marL="457200" marR="0" lvl="0" indent="-317500" algn="l" defTabSz="914400" rtl="0" eaLnBrk="1" fontAlgn="auto" latinLnBrk="0" hangingPunct="1">
+              <a:lnSpc>
+                <a:spcPct val="115000"/>
+              </a:lnSpc>
+              <a:spcBef>
+                <a:spcPts val="0"/>
+              </a:spcBef>
+              <a:spcAft>
+                <a:spcPts val="0"/>
+              </a:spcAft>
+              <a:buClr>
+                <a:schemeClr val="dk2"/>
+              </a:buClr>
+              <a:buSzPts val="1400"/>
+              <a:buFont typeface="Lato"/>
+              <a:buNone/>
+              <a:tabLst/>
+              <a:defRPr/>
+            </a:pPr>
+            <a:r>
+              <a:rPr kumimoji="0" lang="en-US" sz="1200" b="0" i="0" u="none" strike="noStrike" kern="0" cap="none" spc="0" normalizeH="0" baseline="0" noProof="0" dirty="0" smtClean="0">
+                <a:ln>
+                  <a:noFill/>
+                </a:ln>
+                <a:solidFill>
+                  <a:schemeClr val="dk1"/>
+                </a:solidFill>
+                <a:effectLst/>
+                <a:uLnTx/>
+                <a:uFillTx/>
+                <a:latin typeface="Lato"/>
+                <a:ea typeface="Lato"/>
+                <a:cs typeface="Lato"/>
+                <a:sym typeface="Lato"/>
+              </a:rPr>
+              <a:t>Visual Studio*</a:t>
+            </a:r>
+            <a:r>
+              <a:rPr kumimoji="0" lang="en-US" sz="1200" b="0" i="0" u="none" strike="noStrike" kern="0" cap="none" spc="0" normalizeH="0" noProof="0" dirty="0" smtClean="0">
+                <a:ln>
+                  <a:noFill/>
+                </a:ln>
+                <a:solidFill>
+                  <a:schemeClr val="dk1"/>
+                </a:solidFill>
+                <a:effectLst/>
+                <a:uLnTx/>
+                <a:uFillTx/>
+                <a:latin typeface="Lato"/>
+                <a:ea typeface="Lato"/>
+                <a:cs typeface="Lato"/>
+                <a:sym typeface="Lato"/>
+              </a:rPr>
+              <a:t> -</a:t>
+            </a:r>
+            <a:r>
+              <a:rPr kumimoji="0" lang="ru-RU" sz="1200" b="0" i="0" u="none" strike="noStrike" kern="0" cap="none" spc="0" normalizeH="0" noProof="0" dirty="0" smtClean="0">
+                <a:ln>
+                  <a:noFill/>
+                </a:ln>
+                <a:solidFill>
+                  <a:schemeClr val="dk1"/>
+                </a:solidFill>
+                <a:effectLst/>
+                <a:uLnTx/>
+                <a:uFillTx/>
+                <a:latin typeface="Lato"/>
+                <a:ea typeface="Lato"/>
+                <a:cs typeface="Lato"/>
+                <a:sym typeface="Lato"/>
+              </a:rPr>
+              <a:t> </a:t>
+            </a:r>
+            <a:r>
+              <a:rPr kumimoji="0" lang="ru-RU" sz="1200" b="0" i="0" u="none" strike="noStrike" kern="0" cap="none" spc="0" normalizeH="0" noProof="0" dirty="0" err="1" smtClean="0">
+                <a:ln>
+                  <a:noFill/>
+                </a:ln>
+                <a:solidFill>
+                  <a:schemeClr val="dk1"/>
+                </a:solidFill>
+                <a:effectLst/>
+                <a:uLnTx/>
+                <a:uFillTx/>
+                <a:latin typeface="Lato"/>
+                <a:ea typeface="Lato"/>
+                <a:cs typeface="Lato"/>
+                <a:sym typeface="Lato"/>
+              </a:rPr>
+              <a:t>Вижуал</a:t>
+            </a:r>
+            <a:r>
+              <a:rPr kumimoji="0" lang="ru-RU" sz="1200" b="0" i="0" u="none" strike="noStrike" kern="0" cap="none" spc="0" normalizeH="0" noProof="0" dirty="0" smtClean="0">
+                <a:ln>
+                  <a:noFill/>
+                </a:ln>
+                <a:solidFill>
+                  <a:schemeClr val="dk1"/>
+                </a:solidFill>
+                <a:effectLst/>
+                <a:uLnTx/>
+                <a:uFillTx/>
+                <a:latin typeface="Lato"/>
+                <a:ea typeface="Lato"/>
+                <a:cs typeface="Lato"/>
+                <a:sym typeface="Lato"/>
+              </a:rPr>
+              <a:t> </a:t>
+            </a:r>
+            <a:r>
+              <a:rPr kumimoji="0" lang="ru-RU" sz="1200" b="0" i="0" u="none" strike="noStrike" kern="0" cap="none" spc="0" normalizeH="0" noProof="0" dirty="0" err="1" smtClean="0">
+                <a:ln>
+                  <a:noFill/>
+                </a:ln>
+                <a:solidFill>
+                  <a:schemeClr val="dk1"/>
+                </a:solidFill>
+                <a:effectLst/>
+                <a:uLnTx/>
+                <a:uFillTx/>
+                <a:latin typeface="Lato"/>
+                <a:ea typeface="Lato"/>
+                <a:cs typeface="Lato"/>
+                <a:sym typeface="Lato"/>
+              </a:rPr>
+              <a:t>Студио</a:t>
+            </a:r>
+            <a:r>
+              <a:rPr kumimoji="0" lang="ru-RU" sz="1200" b="0" i="0" u="none" strike="noStrike" kern="0" cap="none" spc="0" normalizeH="0" noProof="0" dirty="0" smtClean="0">
+                <a:ln>
+                  <a:noFill/>
+                </a:ln>
+                <a:solidFill>
+                  <a:schemeClr val="dk1"/>
+                </a:solidFill>
+                <a:effectLst/>
+                <a:uLnTx/>
+                <a:uFillTx/>
+                <a:latin typeface="Lato"/>
+                <a:ea typeface="Lato"/>
+                <a:cs typeface="Lato"/>
+                <a:sym typeface="Lato"/>
+              </a:rPr>
+              <a:t>*</a:t>
+            </a:r>
+            <a:endParaRPr kumimoji="0" lang="en-US" sz="1200" b="0" i="0" u="none" strike="noStrike" kern="0" cap="none" spc="0" normalizeH="0" noProof="0" dirty="0" smtClean="0">
+              <a:ln>
+                <a:noFill/>
+              </a:ln>
+              <a:solidFill>
+                <a:schemeClr val="dk1"/>
+              </a:solidFill>
+              <a:effectLst/>
+              <a:uLnTx/>
+              <a:uFillTx/>
+              <a:latin typeface="Lato"/>
+              <a:ea typeface="Lato"/>
+              <a:cs typeface="Lato"/>
+              <a:sym typeface="Lato"/>
+            </a:endParaRPr>
+          </a:p>
+          <a:p>
+            <a:pPr marL="457200" marR="0" lvl="0" indent="-317500" algn="l" defTabSz="914400" rtl="0" eaLnBrk="1" fontAlgn="auto" latinLnBrk="0" hangingPunct="1">
+              <a:lnSpc>
+                <a:spcPct val="115000"/>
+              </a:lnSpc>
+              <a:spcBef>
+                <a:spcPts val="0"/>
+              </a:spcBef>
+              <a:spcAft>
+                <a:spcPts val="0"/>
+              </a:spcAft>
+              <a:buClr>
+                <a:schemeClr val="dk2"/>
+              </a:buClr>
+              <a:buSzPts val="1400"/>
+              <a:buFont typeface="Lato"/>
+              <a:buNone/>
+              <a:tabLst/>
+              <a:defRPr/>
+            </a:pPr>
+            <a:r>
+              <a:rPr lang="en-US" sz="1200" dirty="0" err="1" smtClean="0">
+                <a:solidFill>
+                  <a:schemeClr val="dk1"/>
+                </a:solidFill>
+                <a:latin typeface="Lato"/>
+                <a:ea typeface="Lato"/>
+                <a:cs typeface="Lato"/>
+                <a:sym typeface="Lato"/>
+              </a:rPr>
+              <a:t>Qase</a:t>
+            </a:r>
+            <a:r>
+              <a:rPr lang="en-US" sz="1200" dirty="0" smtClean="0">
+                <a:solidFill>
+                  <a:schemeClr val="dk1"/>
+                </a:solidFill>
+                <a:latin typeface="Lato"/>
+                <a:ea typeface="Lato"/>
+                <a:cs typeface="Lato"/>
+                <a:sym typeface="Lato"/>
+              </a:rPr>
+              <a:t>* - </a:t>
+            </a:r>
+            <a:r>
+              <a:rPr lang="ru-RU" sz="1200" dirty="0" smtClean="0">
+                <a:solidFill>
+                  <a:schemeClr val="dk1"/>
+                </a:solidFill>
+                <a:latin typeface="Lato"/>
+                <a:ea typeface="Lato"/>
+                <a:cs typeface="Lato"/>
+                <a:sym typeface="Lato"/>
+              </a:rPr>
+              <a:t>Кейс*</a:t>
+            </a:r>
+            <a:r>
+              <a:rPr kumimoji="0" lang="en-US" sz="1200" b="0" i="0" u="none" strike="noStrike" kern="0" cap="none" spc="0" normalizeH="0" noProof="0" dirty="0" smtClean="0">
+                <a:ln>
+                  <a:noFill/>
+                </a:ln>
+                <a:solidFill>
+                  <a:schemeClr val="dk1"/>
+                </a:solidFill>
+                <a:effectLst/>
+                <a:uLnTx/>
+                <a:uFillTx/>
+                <a:latin typeface="Lato"/>
+                <a:ea typeface="Lato"/>
+                <a:cs typeface="Lato"/>
+                <a:sym typeface="Lato"/>
+              </a:rPr>
+              <a:t> </a:t>
+            </a:r>
+            <a:endParaRPr kumimoji="0" lang="ru-RU" sz="1200" b="0" i="0" u="none" strike="noStrike" kern="0" cap="none" spc="0" normalizeH="0" baseline="0" noProof="0" dirty="0">
+              <a:ln>
+                <a:noFill/>
+              </a:ln>
+              <a:solidFill>
+                <a:schemeClr val="dk1"/>
+              </a:solidFill>
+              <a:effectLst/>
+              <a:uLnTx/>
+              <a:uFillTx/>
+              <a:latin typeface="Lato"/>
+              <a:ea typeface="Lato"/>
+              <a:cs typeface="Lato"/>
+              <a:sym typeface="Lato"/>
+            </a:endParaRPr>
+          </a:p>
+        </p:txBody>
+      </p:sp>
+      <p:sp>
+        <p:nvSpPr>
+          <p:cNvPr id="12" name="Google Shape;415;p40"/>
+          <p:cNvSpPr txBox="1">
+            <a:spLocks/>
+          </p:cNvSpPr>
+          <p:nvPr/>
+        </p:nvSpPr>
+        <p:spPr>
+          <a:xfrm>
+            <a:off x="4419714" y="2870619"/>
+            <a:ext cx="4230300" cy="1539763"/>
+          </a:xfrm>
+          <a:prstGeom prst="rect">
+            <a:avLst/>
+          </a:prstGeom>
+          <a:noFill/>
+          <a:ln>
+            <a:noFill/>
+          </a:ln>
+        </p:spPr>
+        <p:txBody>
+          <a:bodyPr spcFirstLastPara="1" wrap="square" lIns="91425" tIns="91425" rIns="91425" bIns="91425" anchor="ctr" anchorCtr="0">
+            <a:noAutofit/>
+          </a:bodyPr>
+          <a:lstStyle/>
+          <a:p>
+            <a:pPr marL="457200" marR="0" lvl="0" indent="-317500" algn="l" defTabSz="914400" rtl="0" eaLnBrk="1" fontAlgn="auto" latinLnBrk="0" hangingPunct="1">
+              <a:lnSpc>
+                <a:spcPct val="115000"/>
+              </a:lnSpc>
+              <a:spcBef>
+                <a:spcPts val="0"/>
+              </a:spcBef>
+              <a:spcAft>
+                <a:spcPts val="0"/>
+              </a:spcAft>
+              <a:buClr>
+                <a:schemeClr val="dk2"/>
+              </a:buClr>
+              <a:buSzPts val="1400"/>
+              <a:buFont typeface="Lato"/>
+              <a:buNone/>
+              <a:tabLst/>
+              <a:defRPr/>
+            </a:pPr>
+            <a:r>
+              <a:rPr kumimoji="0" lang="ru-RU" sz="1600" b="0" i="0" u="none" strike="noStrike" kern="0" cap="none" spc="0" normalizeH="0" baseline="0" noProof="0" dirty="0" smtClean="0">
+                <a:ln>
+                  <a:noFill/>
+                </a:ln>
+                <a:solidFill>
+                  <a:schemeClr val="dk1"/>
+                </a:solidFill>
+                <a:effectLst/>
+                <a:uLnTx/>
+                <a:uFillTx/>
+                <a:latin typeface="Lato"/>
+                <a:ea typeface="Lato"/>
+                <a:cs typeface="Lato"/>
+                <a:sym typeface="Lato"/>
+              </a:rPr>
+              <a:t>	</a:t>
+            </a:r>
+            <a:r>
+              <a:rPr kumimoji="0" lang="ru-RU" sz="1500" b="0" i="0" u="none" strike="noStrike" kern="0" cap="none" spc="0" normalizeH="0" baseline="0" noProof="0" dirty="0" err="1" smtClean="0">
+                <a:ln>
+                  <a:noFill/>
+                </a:ln>
+                <a:solidFill>
+                  <a:schemeClr val="dk1"/>
+                </a:solidFill>
+                <a:effectLst/>
+                <a:uLnTx/>
+                <a:uFillTx/>
+                <a:latin typeface="Lato"/>
+                <a:ea typeface="Lato"/>
+                <a:cs typeface="Lato"/>
+                <a:sym typeface="Lato"/>
+              </a:rPr>
+              <a:t>Научилис</a:t>
+            </a:r>
+            <a:r>
+              <a:rPr lang="ru-RU" sz="1500" dirty="0" err="1" smtClean="0">
+                <a:solidFill>
+                  <a:schemeClr val="dk1"/>
+                </a:solidFill>
+                <a:latin typeface="Lato"/>
+                <a:ea typeface="Lato"/>
+                <a:cs typeface="Lato"/>
+                <a:sym typeface="Lato"/>
+              </a:rPr>
+              <a:t>ь</a:t>
+            </a:r>
+            <a:r>
+              <a:rPr lang="ru-RU" sz="1500" dirty="0" smtClean="0">
+                <a:solidFill>
+                  <a:schemeClr val="dk1"/>
+                </a:solidFill>
+                <a:latin typeface="Lato"/>
+                <a:ea typeface="Lato"/>
+                <a:cs typeface="Lato"/>
+                <a:sym typeface="Lato"/>
+              </a:rPr>
+              <a:t> пользоваться облачной системой </a:t>
+            </a:r>
+            <a:r>
+              <a:rPr lang="en-US" sz="1500" dirty="0" err="1" smtClean="0">
+                <a:solidFill>
+                  <a:schemeClr val="dk1"/>
+                </a:solidFill>
+                <a:latin typeface="Lato"/>
+                <a:ea typeface="Lato"/>
+                <a:cs typeface="Lato"/>
+                <a:sym typeface="Lato"/>
+              </a:rPr>
+              <a:t>Qase</a:t>
+            </a:r>
+            <a:r>
+              <a:rPr lang="en-US" sz="1500" dirty="0" smtClean="0">
+                <a:solidFill>
+                  <a:schemeClr val="dk1"/>
+                </a:solidFill>
+                <a:latin typeface="Lato"/>
+                <a:ea typeface="Lato"/>
+                <a:cs typeface="Lato"/>
+                <a:sym typeface="Lato"/>
+              </a:rPr>
+              <a:t>*</a:t>
+            </a:r>
+            <a:r>
+              <a:rPr lang="ru-RU" sz="1500" dirty="0" smtClean="0">
+                <a:solidFill>
+                  <a:schemeClr val="dk1"/>
+                </a:solidFill>
+                <a:latin typeface="Lato"/>
+                <a:ea typeface="Lato"/>
+                <a:cs typeface="Lato"/>
+                <a:sym typeface="Lato"/>
+              </a:rPr>
+              <a:t> </a:t>
+            </a:r>
+            <a:endParaRPr kumimoji="0" lang="ru-RU" sz="1500" b="0" i="0" u="none" strike="noStrike" kern="0" cap="none" spc="0" normalizeH="0" baseline="0" noProof="0" dirty="0">
+              <a:ln>
+                <a:noFill/>
+              </a:ln>
+              <a:solidFill>
+                <a:schemeClr val="dk1"/>
+              </a:solidFill>
+              <a:effectLst/>
+              <a:uLnTx/>
+              <a:uFillTx/>
+              <a:latin typeface="Lato"/>
+              <a:ea typeface="Lato"/>
+              <a:cs typeface="Lato"/>
+              <a:sym typeface="Lato"/>
+            </a:endParaRPr>
+          </a:p>
+        </p:txBody>
+      </p:sp>
     </p:spTree>
   </p:cSld>
   <p:clrMapOvr>
